--- a/INTEGRATING PRESERVATION FUNCTIONS INTO THE WEB SERVER.pptx
+++ b/INTEGRATING PRESERVATION FUNCTIONS INTO THE WEB SERVER.pptx
@@ -5,7 +5,7 @@
     <p:sldMasterId id="2147483648" r:id="rId1"/>
   </p:sldMasterIdLst>
   <p:notesMasterIdLst>
-    <p:notesMasterId r:id="rId22"/>
+    <p:notesMasterId r:id="rId23"/>
   </p:notesMasterIdLst>
   <p:sldIdLst>
     <p:sldId id="256" r:id="rId2"/>
@@ -18,16 +18,17 @@
     <p:sldId id="268" r:id="rId9"/>
     <p:sldId id="271" r:id="rId10"/>
     <p:sldId id="272" r:id="rId11"/>
-    <p:sldId id="269" r:id="rId12"/>
-    <p:sldId id="270" r:id="rId13"/>
+    <p:sldId id="270" r:id="rId12"/>
+    <p:sldId id="269" r:id="rId13"/>
     <p:sldId id="273" r:id="rId14"/>
     <p:sldId id="274" r:id="rId15"/>
-    <p:sldId id="260" r:id="rId16"/>
-    <p:sldId id="261" r:id="rId17"/>
-    <p:sldId id="263" r:id="rId18"/>
-    <p:sldId id="275" r:id="rId19"/>
-    <p:sldId id="264" r:id="rId20"/>
-    <p:sldId id="276" r:id="rId21"/>
+    <p:sldId id="277" r:id="rId16"/>
+    <p:sldId id="260" r:id="rId17"/>
+    <p:sldId id="261" r:id="rId18"/>
+    <p:sldId id="263" r:id="rId19"/>
+    <p:sldId id="275" r:id="rId20"/>
+    <p:sldId id="264" r:id="rId21"/>
+    <p:sldId id="276" r:id="rId22"/>
   </p:sldIdLst>
   <p:sldSz cx="12192000" cy="6858000"/>
   <p:notesSz cx="6858000" cy="9144000"/>
@@ -3679,7 +3680,7 @@
 </file>
 
 <file path=ppt/slides/slide11.xml><?xml version="1.0" encoding="utf-8"?>
-<p:sld xmlns:a="http://schemas.openxmlformats.org/drawingml/2006/main" xmlns:r="http://schemas.openxmlformats.org/officeDocument/2006/relationships" xmlns:p="http://schemas.openxmlformats.org/presentationml/2006/main">
+<p:sld xmlns:a="http://schemas.openxmlformats.org/drawingml/2006/main" xmlns:r="http://schemas.openxmlformats.org/officeDocument/2006/relationships" xmlns:p="http://schemas.openxmlformats.org/presentationml/2006/main" show="0">
   <p:cSld>
     <p:spTree>
       <p:nvGrpSpPr>
@@ -3700,7 +3701,7 @@
           <p:cNvPr id="2" name="Title 1">
             <a:extLst>
               <a:ext uri="{FF2B5EF4-FFF2-40B4-BE49-F238E27FC236}">
-                <a16:creationId xmlns:a16="http://schemas.microsoft.com/office/drawing/2014/main" id="{3B623E2E-E877-407B-87BA-675D08008AD6}"/>
+                <a16:creationId xmlns:a16="http://schemas.microsoft.com/office/drawing/2014/main" id="{7DB9EEFA-010A-4C81-BE6B-8EBC933C9977}"/>
               </a:ext>
             </a:extLst>
           </p:cNvPr>
@@ -3718,7 +3719,7 @@
           <a:p>
             <a:r>
               <a:rPr lang="en-US" dirty="0"/>
-              <a:t>Breadcrumb site</a:t>
+              <a:t>Buffet site</a:t>
             </a:r>
           </a:p>
         </p:txBody>
@@ -3728,7 +3729,7 @@
           <p:cNvPr id="5" name="Content Placeholder 4">
             <a:extLst>
               <a:ext uri="{FF2B5EF4-FFF2-40B4-BE49-F238E27FC236}">
-                <a16:creationId xmlns:a16="http://schemas.microsoft.com/office/drawing/2014/main" id="{51015FCF-53E5-4009-8294-CBB986362768}"/>
+                <a16:creationId xmlns:a16="http://schemas.microsoft.com/office/drawing/2014/main" id="{3D684699-F536-4B5D-B779-F3BD81D02C7C}"/>
               </a:ext>
             </a:extLst>
           </p:cNvPr>
@@ -3747,8 +3748,8 @@
         </p:blipFill>
         <p:spPr>
           <a:xfrm>
-            <a:off x="4744622" y="714695"/>
-            <a:ext cx="6609178" cy="6006780"/>
+            <a:off x="4184937" y="500959"/>
+            <a:ext cx="6575211" cy="6299764"/>
           </a:xfrm>
           <a:prstGeom prst="rect">
             <a:avLst/>
@@ -3760,7 +3761,7 @@
           <p:cNvPr id="4" name="Slide Number Placeholder 3">
             <a:extLst>
               <a:ext uri="{FF2B5EF4-FFF2-40B4-BE49-F238E27FC236}">
-                <a16:creationId xmlns:a16="http://schemas.microsoft.com/office/drawing/2014/main" id="{5D6A285F-7815-4F52-AA6D-6EBAB7CB1F2A}"/>
+                <a16:creationId xmlns:a16="http://schemas.microsoft.com/office/drawing/2014/main" id="{270F33C8-9179-494F-A00A-A6407EBFB1FF}"/>
               </a:ext>
             </a:extLst>
           </p:cNvPr>
@@ -3787,7 +3788,7 @@
     </p:spTree>
     <p:extLst>
       <p:ext uri="{BB962C8B-B14F-4D97-AF65-F5344CB8AC3E}">
-        <p14:creationId xmlns:p14="http://schemas.microsoft.com/office/powerpoint/2010/main" val="3718644071"/>
+        <p14:creationId xmlns:p14="http://schemas.microsoft.com/office/powerpoint/2010/main" val="2925706253"/>
       </p:ext>
     </p:extLst>
   </p:cSld>
@@ -3798,7 +3799,7 @@
 </file>
 
 <file path=ppt/slides/slide12.xml><?xml version="1.0" encoding="utf-8"?>
-<p:sld xmlns:a="http://schemas.openxmlformats.org/drawingml/2006/main" xmlns:r="http://schemas.openxmlformats.org/officeDocument/2006/relationships" xmlns:p="http://schemas.openxmlformats.org/presentationml/2006/main">
+<p:sld xmlns:a="http://schemas.openxmlformats.org/drawingml/2006/main" xmlns:r="http://schemas.openxmlformats.org/officeDocument/2006/relationships" xmlns:p="http://schemas.openxmlformats.org/presentationml/2006/main" show="0">
   <p:cSld>
     <p:spTree>
       <p:nvGrpSpPr>
@@ -3819,7 +3820,7 @@
           <p:cNvPr id="2" name="Title 1">
             <a:extLst>
               <a:ext uri="{FF2B5EF4-FFF2-40B4-BE49-F238E27FC236}">
-                <a16:creationId xmlns:a16="http://schemas.microsoft.com/office/drawing/2014/main" id="{7DB9EEFA-010A-4C81-BE6B-8EBC933C9977}"/>
+                <a16:creationId xmlns:a16="http://schemas.microsoft.com/office/drawing/2014/main" id="{3B623E2E-E877-407B-87BA-675D08008AD6}"/>
               </a:ext>
             </a:extLst>
           </p:cNvPr>
@@ -3830,14 +3831,19 @@
             <p:ph type="title"/>
           </p:nvPr>
         </p:nvSpPr>
-        <p:spPr/>
-        <p:txBody>
-          <a:bodyPr/>
-          <a:lstStyle/>
-          <a:p>
-            <a:r>
-              <a:rPr lang="en-US" dirty="0"/>
-              <a:t>Buffet site</a:t>
+        <p:spPr>
+          <a:xfrm>
+            <a:off x="774405" y="641571"/>
+            <a:ext cx="3308498" cy="1325563"/>
+          </a:xfrm>
+        </p:spPr>
+        <p:txBody>
+          <a:bodyPr/>
+          <a:lstStyle/>
+          <a:p>
+            <a:r>
+              <a:rPr lang="en-US" dirty="0"/>
+              <a:t>Breadcrumb site</a:t>
             </a:r>
           </a:p>
         </p:txBody>
@@ -3847,7 +3853,7 @@
           <p:cNvPr id="5" name="Content Placeholder 4">
             <a:extLst>
               <a:ext uri="{FF2B5EF4-FFF2-40B4-BE49-F238E27FC236}">
-                <a16:creationId xmlns:a16="http://schemas.microsoft.com/office/drawing/2014/main" id="{3D684699-F536-4B5D-B779-F3BD81D02C7C}"/>
+                <a16:creationId xmlns:a16="http://schemas.microsoft.com/office/drawing/2014/main" id="{51015FCF-53E5-4009-8294-CBB986362768}"/>
               </a:ext>
             </a:extLst>
           </p:cNvPr>
@@ -3866,8 +3872,8 @@
         </p:blipFill>
         <p:spPr>
           <a:xfrm>
-            <a:off x="3825203" y="1825625"/>
-            <a:ext cx="4541593" cy="4351338"/>
+            <a:off x="3848985" y="306557"/>
+            <a:ext cx="7058247" cy="6414918"/>
           </a:xfrm>
           <a:prstGeom prst="rect">
             <a:avLst/>
@@ -3879,7 +3885,7 @@
           <p:cNvPr id="4" name="Slide Number Placeholder 3">
             <a:extLst>
               <a:ext uri="{FF2B5EF4-FFF2-40B4-BE49-F238E27FC236}">
-                <a16:creationId xmlns:a16="http://schemas.microsoft.com/office/drawing/2014/main" id="{270F33C8-9179-494F-A00A-A6407EBFB1FF}"/>
+                <a16:creationId xmlns:a16="http://schemas.microsoft.com/office/drawing/2014/main" id="{5D6A285F-7815-4F52-AA6D-6EBAB7CB1F2A}"/>
               </a:ext>
             </a:extLst>
           </p:cNvPr>
@@ -3906,7 +3912,7 @@
     </p:spTree>
     <p:extLst>
       <p:ext uri="{BB962C8B-B14F-4D97-AF65-F5344CB8AC3E}">
-        <p14:creationId xmlns:p14="http://schemas.microsoft.com/office/powerpoint/2010/main" val="2925706253"/>
+        <p14:creationId xmlns:p14="http://schemas.microsoft.com/office/powerpoint/2010/main" val="3718644071"/>
       </p:ext>
     </p:extLst>
   </p:cSld>
@@ -3984,6 +3990,12 @@
           <a:p>
             <a:r>
               <a:rPr lang="en-US" dirty="0"/>
+              <a:t>The easier the content is to find the easier it is to archive</a:t>
+            </a:r>
+          </a:p>
+          <a:p>
+            <a:r>
+              <a:rPr lang="en-US" dirty="0"/>
               <a:t>Wide better than deep</a:t>
             </a:r>
           </a:p>
@@ -3991,12 +4003,6 @@
             <a:r>
               <a:rPr lang="en-US" dirty="0"/>
               <a:t>High level of indexing preferred (buffet)</a:t>
-            </a:r>
-          </a:p>
-          <a:p>
-            <a:r>
-              <a:rPr lang="en-US" dirty="0"/>
-              <a:t>The easier the content is to find the easier it is to archive</a:t>
             </a:r>
           </a:p>
           <a:p>
@@ -4086,7 +4092,7 @@
           <a:p>
             <a:r>
               <a:rPr lang="en-US" dirty="0"/>
-              <a:t>Sitemap </a:t>
+              <a:t>Sitemap for resource detection</a:t>
             </a:r>
           </a:p>
         </p:txBody>
@@ -4110,88 +4116,19 @@
         <p:spPr/>
         <p:txBody>
           <a:bodyPr>
-            <a:normAutofit fontScale="92500" lnSpcReduction="20000"/>
+            <a:normAutofit/>
           </a:bodyPr>
           <a:lstStyle/>
           <a:p>
             <a:r>
-              <a:rPr lang="en-US" dirty="0"/>
+              <a:rPr lang="en-US" sz="3600" dirty="0"/>
               <a:t>Race condition</a:t>
             </a:r>
           </a:p>
           <a:p>
             <a:r>
-              <a:rPr lang="en-US" dirty="0"/>
+              <a:rPr lang="en-US" sz="3600" dirty="0"/>
               <a:t>Automatic sitemap creation tools only able to access things a web crawler can or they imposes artificial limits</a:t>
-            </a:r>
-          </a:p>
-          <a:p>
-            <a:r>
-              <a:rPr lang="en-US" dirty="0"/>
-              <a:t>Site map creation best done through combination of </a:t>
-            </a:r>
-          </a:p>
-          <a:p>
-            <a:pPr lvl="1"/>
-            <a:r>
-              <a:rPr lang="en-US" dirty="0"/>
-              <a:t>self-crawls</a:t>
-            </a:r>
-          </a:p>
-          <a:p>
-            <a:pPr lvl="2"/>
-            <a:r>
-              <a:rPr lang="en-US" dirty="0"/>
-              <a:t>Unlinked pages</a:t>
-            </a:r>
-          </a:p>
-          <a:p>
-            <a:pPr lvl="1"/>
-            <a:r>
-              <a:rPr lang="en-US" dirty="0"/>
-              <a:t>Logs</a:t>
-            </a:r>
-          </a:p>
-          <a:p>
-            <a:pPr lvl="2"/>
-            <a:r>
-              <a:rPr lang="en-US" dirty="0"/>
-              <a:t>Will get dynamically created content</a:t>
-            </a:r>
-          </a:p>
-          <a:p>
-            <a:pPr lvl="2"/>
-            <a:r>
-              <a:rPr lang="en-US" dirty="0"/>
-              <a:t>Will have deleted files</a:t>
-            </a:r>
-          </a:p>
-          <a:p>
-            <a:pPr lvl="1"/>
-            <a:r>
-              <a:rPr lang="en-US" dirty="0"/>
-              <a:t>File system map</a:t>
-            </a:r>
-          </a:p>
-          <a:p>
-            <a:pPr lvl="2"/>
-            <a:r>
-              <a:rPr lang="en-US" dirty="0"/>
-              <a:t>Backup files</a:t>
-            </a:r>
-          </a:p>
-          <a:p>
-            <a:pPr lvl="2"/>
-            <a:r>
-              <a:rPr lang="en-US" dirty="0"/>
-              <a:t>Old unused files</a:t>
-            </a:r>
-          </a:p>
-          <a:p>
-            <a:pPr lvl="2"/>
-            <a:r>
-              <a:rPr lang="en-US" dirty="0"/>
-              <a:t>Test files</a:t>
             </a:r>
           </a:p>
           <a:p>
@@ -4263,7 +4200,13 @@
       </p:grpSpPr>
       <p:sp>
         <p:nvSpPr>
-          <p:cNvPr id="2" name="Title 1"/>
+          <p:cNvPr id="2" name="Title 1">
+            <a:extLst>
+              <a:ext uri="{FF2B5EF4-FFF2-40B4-BE49-F238E27FC236}">
+                <a16:creationId xmlns:a16="http://schemas.microsoft.com/office/drawing/2014/main" id="{B51A0B28-93AA-479A-8429-25DBBF4DA97E}"/>
+              </a:ext>
+            </a:extLst>
+          </p:cNvPr>
           <p:cNvSpPr>
             <a:spLocks noGrp="1"/>
           </p:cNvSpPr>
@@ -4278,14 +4221,20 @@
           <a:p>
             <a:r>
               <a:rPr lang="en-US" dirty="0"/>
-              <a:t>Representation problem</a:t>
-            </a:r>
-          </a:p>
-        </p:txBody>
-      </p:sp>
-      <p:sp>
-        <p:nvSpPr>
-          <p:cNvPr id="3" name="Content Placeholder 2"/>
+              <a:t>Sitemap </a:t>
+            </a:r>
+          </a:p>
+        </p:txBody>
+      </p:sp>
+      <p:sp>
+        <p:nvSpPr>
+          <p:cNvPr id="3" name="Content Placeholder 2">
+            <a:extLst>
+              <a:ext uri="{FF2B5EF4-FFF2-40B4-BE49-F238E27FC236}">
+                <a16:creationId xmlns:a16="http://schemas.microsoft.com/office/drawing/2014/main" id="{A86C2984-8DDF-4DC6-BDB1-FB7855A4AB50}"/>
+              </a:ext>
+            </a:extLst>
+          </p:cNvPr>
           <p:cNvSpPr>
             <a:spLocks noGrp="1"/>
           </p:cNvSpPr>
@@ -4295,31 +4244,96 @@
         </p:nvSpPr>
         <p:spPr/>
         <p:txBody>
-          <a:bodyPr/>
-          <a:lstStyle/>
-          <a:p>
-            <a:r>
-              <a:rPr lang="en-US" dirty="0"/>
-              <a:t>How do you get enough information about the resource to be able to represent it later when it may be deprecated?</a:t>
-            </a:r>
-          </a:p>
-          <a:p>
-            <a:r>
-              <a:rPr lang="en-US" dirty="0"/>
-              <a:t>Extract metadata</a:t>
-            </a:r>
-          </a:p>
-          <a:p>
-            <a:r>
-              <a:rPr lang="en-US" dirty="0"/>
-              <a:t>HTTP only provides enough metadata to interpret today, not future use</a:t>
-            </a:r>
-          </a:p>
-        </p:txBody>
-      </p:sp>
-      <p:sp>
-        <p:nvSpPr>
-          <p:cNvPr id="4" name="Slide Number Placeholder 3"/>
+          <a:bodyPr>
+            <a:normAutofit/>
+          </a:bodyPr>
+          <a:lstStyle/>
+          <a:p>
+            <a:r>
+              <a:rPr lang="en-US" dirty="0"/>
+              <a:t>Site map creation best done through combination of </a:t>
+            </a:r>
+          </a:p>
+          <a:p>
+            <a:pPr lvl="1"/>
+            <a:r>
+              <a:rPr lang="en-US" dirty="0"/>
+              <a:t>self-crawls</a:t>
+            </a:r>
+          </a:p>
+          <a:p>
+            <a:pPr lvl="2"/>
+            <a:r>
+              <a:rPr lang="en-US" dirty="0"/>
+              <a:t>Unlinked pages</a:t>
+            </a:r>
+          </a:p>
+          <a:p>
+            <a:pPr lvl="1"/>
+            <a:r>
+              <a:rPr lang="en-US" dirty="0"/>
+              <a:t>Logs</a:t>
+            </a:r>
+          </a:p>
+          <a:p>
+            <a:pPr lvl="2"/>
+            <a:r>
+              <a:rPr lang="en-US" dirty="0"/>
+              <a:t>Will get dynamically created content</a:t>
+            </a:r>
+          </a:p>
+          <a:p>
+            <a:pPr lvl="2"/>
+            <a:r>
+              <a:rPr lang="en-US" dirty="0"/>
+              <a:t>Will have deleted files</a:t>
+            </a:r>
+          </a:p>
+          <a:p>
+            <a:pPr lvl="1"/>
+            <a:r>
+              <a:rPr lang="en-US" dirty="0"/>
+              <a:t>File system map</a:t>
+            </a:r>
+          </a:p>
+          <a:p>
+            <a:pPr lvl="2"/>
+            <a:r>
+              <a:rPr lang="en-US" dirty="0"/>
+              <a:t>Backup files</a:t>
+            </a:r>
+          </a:p>
+          <a:p>
+            <a:pPr lvl="2"/>
+            <a:r>
+              <a:rPr lang="en-US" dirty="0"/>
+              <a:t>Old unused files</a:t>
+            </a:r>
+          </a:p>
+          <a:p>
+            <a:pPr lvl="2"/>
+            <a:r>
+              <a:rPr lang="en-US" dirty="0"/>
+              <a:t>Test files</a:t>
+            </a:r>
+          </a:p>
+          <a:p>
+            <a:endParaRPr lang="en-US" dirty="0"/>
+          </a:p>
+          <a:p>
+            <a:endParaRPr lang="en-US" dirty="0"/>
+          </a:p>
+        </p:txBody>
+      </p:sp>
+      <p:sp>
+        <p:nvSpPr>
+          <p:cNvPr id="4" name="Slide Number Placeholder 3">
+            <a:extLst>
+              <a:ext uri="{FF2B5EF4-FFF2-40B4-BE49-F238E27FC236}">
+                <a16:creationId xmlns:a16="http://schemas.microsoft.com/office/drawing/2014/main" id="{F86CF990-1159-4A1F-8D09-004A0521C659}"/>
+              </a:ext>
+            </a:extLst>
+          </p:cNvPr>
           <p:cNvSpPr>
             <a:spLocks noGrp="1"/>
           </p:cNvSpPr>
@@ -4343,7 +4357,7 @@
     </p:spTree>
     <p:extLst>
       <p:ext uri="{BB962C8B-B14F-4D97-AF65-F5344CB8AC3E}">
-        <p14:creationId xmlns:p14="http://schemas.microsoft.com/office/powerpoint/2010/main" val="1013400966"/>
+        <p14:creationId xmlns:p14="http://schemas.microsoft.com/office/powerpoint/2010/main" val="3578347896"/>
       </p:ext>
     </p:extLst>
   </p:cSld>
@@ -4387,7 +4401,7 @@
           <a:p>
             <a:r>
               <a:rPr lang="en-US" dirty="0"/>
-              <a:t>Practical to include metadata utilities in server?</a:t>
+              <a:t>Representation problem</a:t>
             </a:r>
           </a:p>
         </p:txBody>
@@ -4404,62 +4418,25 @@
         </p:nvSpPr>
         <p:spPr/>
         <p:txBody>
-          <a:bodyPr>
-            <a:normAutofit/>
-          </a:bodyPr>
-          <a:lstStyle/>
-          <a:p>
-            <a:r>
-              <a:rPr lang="en-US" dirty="0"/>
-              <a:t>Utilities tested</a:t>
-            </a:r>
-          </a:p>
-          <a:p>
-            <a:pPr lvl="1"/>
-            <a:r>
-              <a:rPr lang="en-US" dirty="0"/>
-              <a:t>Price</a:t>
-            </a:r>
-          </a:p>
-          <a:p>
-            <a:pPr lvl="1"/>
-            <a:r>
-              <a:rPr lang="en-US" dirty="0"/>
-              <a:t>Operating System</a:t>
-            </a:r>
-          </a:p>
-          <a:p>
-            <a:pPr lvl="1"/>
-            <a:r>
-              <a:rPr lang="en-US" dirty="0"/>
-              <a:t>Invocation Method</a:t>
-            </a:r>
-          </a:p>
-          <a:p>
-            <a:pPr lvl="1"/>
-            <a:r>
-              <a:rPr lang="en-US" dirty="0"/>
-              <a:t>Ease of Installation</a:t>
-            </a:r>
-          </a:p>
-          <a:p>
-            <a:r>
-              <a:rPr lang="en-US" dirty="0"/>
-              <a:t>Performance under load for MODOAI Plugin for Apache</a:t>
-            </a:r>
-          </a:p>
-          <a:p>
-            <a:pPr lvl="1"/>
-            <a:r>
-              <a:rPr lang="en-US" dirty="0"/>
-              <a:t>able to provide 90% of the responses to regular web requests within 16 milliseconds</a:t>
-            </a:r>
-          </a:p>
-          <a:p>
-            <a:endParaRPr lang="en-US" dirty="0"/>
-          </a:p>
-          <a:p>
-            <a:endParaRPr lang="en-US" dirty="0"/>
+          <a:bodyPr/>
+          <a:lstStyle/>
+          <a:p>
+            <a:r>
+              <a:rPr lang="en-US" dirty="0"/>
+              <a:t>How do you get enough information about the resource to be able to represent it later when it may be deprecated?</a:t>
+            </a:r>
+          </a:p>
+          <a:p>
+            <a:r>
+              <a:rPr lang="en-US" dirty="0"/>
+              <a:t>Extract metadata</a:t>
+            </a:r>
+          </a:p>
+          <a:p>
+            <a:r>
+              <a:rPr lang="en-US" dirty="0"/>
+              <a:t>HTTP only provides enough metadata to interpret today, not future use</a:t>
+            </a:r>
           </a:p>
         </p:txBody>
       </p:sp>
@@ -4489,7 +4466,7 @@
     </p:spTree>
     <p:extLst>
       <p:ext uri="{BB962C8B-B14F-4D97-AF65-F5344CB8AC3E}">
-        <p14:creationId xmlns:p14="http://schemas.microsoft.com/office/powerpoint/2010/main" val="2558321062"/>
+        <p14:creationId xmlns:p14="http://schemas.microsoft.com/office/powerpoint/2010/main" val="1013400966"/>
       </p:ext>
     </p:extLst>
   </p:cSld>
@@ -4526,14 +4503,19 @@
             <p:ph type="title"/>
           </p:nvPr>
         </p:nvSpPr>
-        <p:spPr/>
-        <p:txBody>
-          <a:bodyPr/>
-          <a:lstStyle/>
-          <a:p>
-            <a:r>
-              <a:rPr lang="en-US" dirty="0"/>
-              <a:t>CRATE</a:t>
+        <p:spPr>
+          <a:xfrm>
+            <a:off x="838200" y="500062"/>
+            <a:ext cx="10515600" cy="1325563"/>
+          </a:xfrm>
+        </p:spPr>
+        <p:txBody>
+          <a:bodyPr/>
+          <a:lstStyle/>
+          <a:p>
+            <a:r>
+              <a:rPr lang="en-US" dirty="0"/>
+              <a:t>Practical to include metadata utilities in server?</a:t>
             </a:r>
           </a:p>
         </p:txBody>
@@ -4548,7 +4530,12 @@
             <p:ph idx="1"/>
           </p:nvPr>
         </p:nvSpPr>
-        <p:spPr/>
+        <p:spPr>
+          <a:xfrm>
+            <a:off x="838200" y="1915318"/>
+            <a:ext cx="10515600" cy="4351338"/>
+          </a:xfrm>
+        </p:spPr>
         <p:txBody>
           <a:bodyPr>
             <a:normAutofit/>
@@ -4557,69 +4544,54 @@
           <a:p>
             <a:r>
               <a:rPr lang="en-US" dirty="0"/>
-              <a:t>When you request a resource from a web server you can also get the metadata usually missing from the HTTP response</a:t>
-            </a:r>
-          </a:p>
-          <a:p>
-            <a:r>
-              <a:rPr lang="en-US" dirty="0"/>
-              <a:t>Counting Problem</a:t>
+              <a:t>Utilities tested</a:t>
             </a:r>
           </a:p>
           <a:p>
             <a:pPr lvl="1"/>
             <a:r>
               <a:rPr lang="en-US" dirty="0"/>
-              <a:t>Sitemap must exist</a:t>
+              <a:t>Price</a:t>
             </a:r>
           </a:p>
           <a:p>
             <a:pPr lvl="1"/>
             <a:r>
               <a:rPr lang="en-US" dirty="0"/>
-              <a:t>Must contain all valid accessible site resources</a:t>
-            </a:r>
-          </a:p>
-          <a:p>
-            <a:r>
-              <a:rPr lang="en-US" dirty="0"/>
-              <a:t>Representation problem</a:t>
+              <a:t>Operating System</a:t>
             </a:r>
           </a:p>
           <a:p>
             <a:pPr lvl="1"/>
             <a:r>
               <a:rPr lang="en-US" dirty="0"/>
-              <a:t>Metadata rich</a:t>
+              <a:t>Invocation Method</a:t>
             </a:r>
           </a:p>
           <a:p>
             <a:pPr lvl="1"/>
             <a:r>
               <a:rPr lang="en-US" dirty="0"/>
-              <a:t>XML tagged, most likely to be preserved</a:t>
+              <a:t>Ease of Installation</a:t>
+            </a:r>
+          </a:p>
+          <a:p>
+            <a:r>
+              <a:rPr lang="en-US" dirty="0"/>
+              <a:t>Performance under load for MODOAI Plugin for Apache</a:t>
             </a:r>
           </a:p>
           <a:p>
             <a:pPr lvl="1"/>
             <a:r>
               <a:rPr lang="en-US" dirty="0"/>
-              <a:t>Automated through MODOAI module</a:t>
-            </a:r>
-          </a:p>
-          <a:p>
-            <a:pPr lvl="2"/>
-            <a:r>
-              <a:rPr lang="en-US" dirty="0"/>
-              <a:t>Metadata extraction plugins chosen by web master</a:t>
-            </a:r>
-          </a:p>
-          <a:p>
-            <a:pPr lvl="1"/>
+              <a:t>able to provide 90% of the responses to regular web requests within 16 milliseconds</a:t>
+            </a:r>
+          </a:p>
+          <a:p>
             <a:endParaRPr lang="en-US" dirty="0"/>
           </a:p>
           <a:p>
-            <a:pPr lvl="1"/>
             <a:endParaRPr lang="en-US" dirty="0"/>
           </a:p>
         </p:txBody>
@@ -4650,7 +4622,7 @@
     </p:spTree>
     <p:extLst>
       <p:ext uri="{BB962C8B-B14F-4D97-AF65-F5344CB8AC3E}">
-        <p14:creationId xmlns:p14="http://schemas.microsoft.com/office/powerpoint/2010/main" val="452921561"/>
+        <p14:creationId xmlns:p14="http://schemas.microsoft.com/office/powerpoint/2010/main" val="2558321062"/>
       </p:ext>
     </p:extLst>
   </p:cSld>
@@ -4679,6 +4651,167 @@
       </p:grpSpPr>
       <p:sp>
         <p:nvSpPr>
+          <p:cNvPr id="2" name="Title 1"/>
+          <p:cNvSpPr>
+            <a:spLocks noGrp="1"/>
+          </p:cNvSpPr>
+          <p:nvPr>
+            <p:ph type="title"/>
+          </p:nvPr>
+        </p:nvSpPr>
+        <p:spPr/>
+        <p:txBody>
+          <a:bodyPr/>
+          <a:lstStyle/>
+          <a:p>
+            <a:r>
+              <a:rPr lang="en-US" dirty="0"/>
+              <a:t>CRATE</a:t>
+            </a:r>
+          </a:p>
+        </p:txBody>
+      </p:sp>
+      <p:sp>
+        <p:nvSpPr>
+          <p:cNvPr id="3" name="Content Placeholder 2"/>
+          <p:cNvSpPr>
+            <a:spLocks noGrp="1"/>
+          </p:cNvSpPr>
+          <p:nvPr>
+            <p:ph idx="1"/>
+          </p:nvPr>
+        </p:nvSpPr>
+        <p:spPr/>
+        <p:txBody>
+          <a:bodyPr>
+            <a:normAutofit/>
+          </a:bodyPr>
+          <a:lstStyle/>
+          <a:p>
+            <a:r>
+              <a:rPr lang="en-US" dirty="0"/>
+              <a:t>When you request a resource from a web server you can also get the metadata usually missing from the HTTP response</a:t>
+            </a:r>
+          </a:p>
+          <a:p>
+            <a:r>
+              <a:rPr lang="en-US" dirty="0"/>
+              <a:t>Counting Problem</a:t>
+            </a:r>
+          </a:p>
+          <a:p>
+            <a:pPr lvl="1"/>
+            <a:r>
+              <a:rPr lang="en-US" dirty="0"/>
+              <a:t>Sitemap must exist</a:t>
+            </a:r>
+          </a:p>
+          <a:p>
+            <a:pPr lvl="1"/>
+            <a:r>
+              <a:rPr lang="en-US" dirty="0"/>
+              <a:t>Must contain all valid accessible site resources</a:t>
+            </a:r>
+          </a:p>
+          <a:p>
+            <a:r>
+              <a:rPr lang="en-US" dirty="0"/>
+              <a:t>Representation problem</a:t>
+            </a:r>
+          </a:p>
+          <a:p>
+            <a:pPr lvl="1"/>
+            <a:r>
+              <a:rPr lang="en-US" dirty="0"/>
+              <a:t>Metadata rich</a:t>
+            </a:r>
+          </a:p>
+          <a:p>
+            <a:pPr lvl="1"/>
+            <a:r>
+              <a:rPr lang="en-US" dirty="0"/>
+              <a:t>XML tagged, most likely to be preserved</a:t>
+            </a:r>
+          </a:p>
+          <a:p>
+            <a:pPr lvl="1"/>
+            <a:r>
+              <a:rPr lang="en-US" dirty="0"/>
+              <a:t>Automated through MODOAI module</a:t>
+            </a:r>
+          </a:p>
+          <a:p>
+            <a:pPr lvl="2"/>
+            <a:r>
+              <a:rPr lang="en-US" dirty="0"/>
+              <a:t>Metadata extraction plugins chosen by web master</a:t>
+            </a:r>
+          </a:p>
+          <a:p>
+            <a:pPr lvl="1"/>
+            <a:endParaRPr lang="en-US" dirty="0"/>
+          </a:p>
+          <a:p>
+            <a:pPr lvl="1"/>
+            <a:endParaRPr lang="en-US" dirty="0"/>
+          </a:p>
+        </p:txBody>
+      </p:sp>
+      <p:sp>
+        <p:nvSpPr>
+          <p:cNvPr id="4" name="Slide Number Placeholder 3"/>
+          <p:cNvSpPr>
+            <a:spLocks noGrp="1"/>
+          </p:cNvSpPr>
+          <p:nvPr>
+            <p:ph type="sldNum" sz="quarter" idx="12"/>
+          </p:nvPr>
+        </p:nvSpPr>
+        <p:spPr/>
+        <p:txBody>
+          <a:bodyPr/>
+          <a:lstStyle/>
+          <a:p>
+            <a:fld id="{B9567B4A-890F-4BB2-A4B0-D8F5589522E2}" type="slidenum">
+              <a:rPr lang="en-US" smtClean="0"/>
+              <a:t>18</a:t>
+            </a:fld>
+            <a:endParaRPr lang="en-US"/>
+          </a:p>
+        </p:txBody>
+      </p:sp>
+    </p:spTree>
+    <p:extLst>
+      <p:ext uri="{BB962C8B-B14F-4D97-AF65-F5344CB8AC3E}">
+        <p14:creationId xmlns:p14="http://schemas.microsoft.com/office/powerpoint/2010/main" val="452921561"/>
+      </p:ext>
+    </p:extLst>
+  </p:cSld>
+  <p:clrMapOvr>
+    <a:masterClrMapping/>
+  </p:clrMapOvr>
+</p:sld>
+</file>
+
+<file path=ppt/slides/slide19.xml><?xml version="1.0" encoding="utf-8"?>
+<p:sld xmlns:a="http://schemas.openxmlformats.org/drawingml/2006/main" xmlns:r="http://schemas.openxmlformats.org/officeDocument/2006/relationships" xmlns:p="http://schemas.openxmlformats.org/presentationml/2006/main">
+  <p:cSld>
+    <p:spTree>
+      <p:nvGrpSpPr>
+        <p:cNvPr id="1" name=""/>
+        <p:cNvGrpSpPr/>
+        <p:nvPr/>
+      </p:nvGrpSpPr>
+      <p:grpSpPr>
+        <a:xfrm>
+          <a:off x="0" y="0"/>
+          <a:ext cx="0" cy="0"/>
+          <a:chOff x="0" y="0"/>
+          <a:chExt cx="0" cy="0"/>
+        </a:xfrm>
+      </p:grpSpPr>
+      <p:sp>
+        <p:nvSpPr>
           <p:cNvPr id="2" name="Title 1">
             <a:extLst>
               <a:ext uri="{FF2B5EF4-FFF2-40B4-BE49-F238E27FC236}">
@@ -4779,7 +4912,7 @@
           <a:p>
             <a:fld id="{B9567B4A-890F-4BB2-A4B0-D8F5589522E2}" type="slidenum">
               <a:rPr lang="en-US" smtClean="0"/>
-              <a:t>18</a:t>
+              <a:t>19</a:t>
             </a:fld>
             <a:endParaRPr lang="en-US"/>
           </a:p>
@@ -4828,140 +4961,6 @@
 </p:sld>
 </file>
 
-<file path=ppt/slides/slide19.xml><?xml version="1.0" encoding="utf-8"?>
-<p:sld xmlns:a="http://schemas.openxmlformats.org/drawingml/2006/main" xmlns:r="http://schemas.openxmlformats.org/officeDocument/2006/relationships" xmlns:p="http://schemas.openxmlformats.org/presentationml/2006/main">
-  <p:cSld>
-    <p:spTree>
-      <p:nvGrpSpPr>
-        <p:cNvPr id="1" name=""/>
-        <p:cNvGrpSpPr/>
-        <p:nvPr/>
-      </p:nvGrpSpPr>
-      <p:grpSpPr>
-        <a:xfrm>
-          <a:off x="0" y="0"/>
-          <a:ext cx="0" cy="0"/>
-          <a:chOff x="0" y="0"/>
-          <a:chExt cx="0" cy="0"/>
-        </a:xfrm>
-      </p:grpSpPr>
-      <p:sp>
-        <p:nvSpPr>
-          <p:cNvPr id="2" name="Title 1"/>
-          <p:cNvSpPr>
-            <a:spLocks noGrp="1"/>
-          </p:cNvSpPr>
-          <p:nvPr>
-            <p:ph type="title"/>
-          </p:nvPr>
-        </p:nvSpPr>
-        <p:spPr/>
-        <p:txBody>
-          <a:bodyPr/>
-          <a:lstStyle/>
-          <a:p>
-            <a:r>
-              <a:rPr lang="en-US" dirty="0"/>
-              <a:t>MODOAI implementing CRATE</a:t>
-            </a:r>
-          </a:p>
-        </p:txBody>
-      </p:sp>
-      <p:sp>
-        <p:nvSpPr>
-          <p:cNvPr id="3" name="Content Placeholder 2"/>
-          <p:cNvSpPr>
-            <a:spLocks noGrp="1"/>
-          </p:cNvSpPr>
-          <p:nvPr>
-            <p:ph idx="1"/>
-          </p:nvPr>
-        </p:nvSpPr>
-        <p:spPr/>
-        <p:txBody>
-          <a:bodyPr/>
-          <a:lstStyle/>
-          <a:p>
-            <a:r>
-              <a:rPr lang="en-US" dirty="0"/>
-              <a:t>Apache web server module to expose meta data</a:t>
-            </a:r>
-          </a:p>
-          <a:p>
-            <a:r>
-              <a:rPr lang="en-US" dirty="0"/>
-              <a:t>redesigned to accommodate CRATE</a:t>
-            </a:r>
-          </a:p>
-          <a:p>
-            <a:pPr lvl="1"/>
-            <a:r>
-              <a:rPr lang="en-US" dirty="0"/>
-              <a:t>Recreated around plugin architecture </a:t>
-            </a:r>
-          </a:p>
-          <a:p>
-            <a:r>
-              <a:rPr lang="en-US" dirty="0"/>
-              <a:t>Data centric approach to preserving metadata</a:t>
-            </a:r>
-          </a:p>
-          <a:p>
-            <a:pPr lvl="2"/>
-            <a:r>
-              <a:rPr lang="en-US" dirty="0"/>
-              <a:t>Best effort metadata at dissemination</a:t>
-            </a:r>
-          </a:p>
-          <a:p>
-            <a:pPr lvl="2"/>
-            <a:r>
-              <a:rPr lang="en-US" dirty="0"/>
-              <a:t>Instead of strict validation during archivist collection </a:t>
-            </a:r>
-          </a:p>
-          <a:p>
-            <a:pPr lvl="1"/>
-            <a:endParaRPr lang="en-US" dirty="0"/>
-          </a:p>
-        </p:txBody>
-      </p:sp>
-      <p:sp>
-        <p:nvSpPr>
-          <p:cNvPr id="4" name="Slide Number Placeholder 3"/>
-          <p:cNvSpPr>
-            <a:spLocks noGrp="1"/>
-          </p:cNvSpPr>
-          <p:nvPr>
-            <p:ph type="sldNum" sz="quarter" idx="12"/>
-          </p:nvPr>
-        </p:nvSpPr>
-        <p:spPr/>
-        <p:txBody>
-          <a:bodyPr/>
-          <a:lstStyle/>
-          <a:p>
-            <a:fld id="{B9567B4A-890F-4BB2-A4B0-D8F5589522E2}" type="slidenum">
-              <a:rPr lang="en-US" smtClean="0"/>
-              <a:t>19</a:t>
-            </a:fld>
-            <a:endParaRPr lang="en-US"/>
-          </a:p>
-        </p:txBody>
-      </p:sp>
-    </p:spTree>
-    <p:extLst>
-      <p:ext uri="{BB962C8B-B14F-4D97-AF65-F5344CB8AC3E}">
-        <p14:creationId xmlns:p14="http://schemas.microsoft.com/office/powerpoint/2010/main" val="1051276895"/>
-      </p:ext>
-    </p:extLst>
-  </p:cSld>
-  <p:clrMapOvr>
-    <a:masterClrMapping/>
-  </p:clrMapOvr>
-</p:sld>
-</file>
-
 <file path=ppt/slides/slide2.xml><?xml version="1.0" encoding="utf-8"?>
 <p:sld xmlns:a="http://schemas.openxmlformats.org/drawingml/2006/main" xmlns:r="http://schemas.openxmlformats.org/officeDocument/2006/relationships" xmlns:p="http://schemas.openxmlformats.org/presentationml/2006/main">
   <p:cSld>
@@ -4996,7 +4995,7 @@
           <a:p>
             <a:r>
               <a:rPr lang="en-US" dirty="0"/>
-              <a:t>Using a web server for web preservation </a:t>
+              <a:t>Research Approach</a:t>
             </a:r>
           </a:p>
         </p:txBody>
@@ -5017,19 +5016,19 @@
           <a:lstStyle/>
           <a:p>
             <a:r>
-              <a:rPr lang="en-US" dirty="0"/>
+              <a:rPr lang="en-US" sz="4400" dirty="0"/>
               <a:t>Counting problem</a:t>
             </a:r>
           </a:p>
           <a:p>
             <a:r>
-              <a:rPr lang="en-US" dirty="0"/>
+              <a:rPr lang="en-US" sz="4400" dirty="0"/>
               <a:t>Representation problem</a:t>
             </a:r>
           </a:p>
           <a:p>
             <a:r>
-              <a:rPr lang="en-US" dirty="0"/>
+              <a:rPr lang="en-US" sz="4400" dirty="0"/>
               <a:t>Using web server for web preservation</a:t>
             </a:r>
           </a:p>
@@ -5096,6 +5095,140 @@
       </p:grpSpPr>
       <p:sp>
         <p:nvSpPr>
+          <p:cNvPr id="2" name="Title 1"/>
+          <p:cNvSpPr>
+            <a:spLocks noGrp="1"/>
+          </p:cNvSpPr>
+          <p:nvPr>
+            <p:ph type="title"/>
+          </p:nvPr>
+        </p:nvSpPr>
+        <p:spPr/>
+        <p:txBody>
+          <a:bodyPr/>
+          <a:lstStyle/>
+          <a:p>
+            <a:r>
+              <a:rPr lang="en-US" dirty="0"/>
+              <a:t>MODOAI implementing CRATE</a:t>
+            </a:r>
+          </a:p>
+        </p:txBody>
+      </p:sp>
+      <p:sp>
+        <p:nvSpPr>
+          <p:cNvPr id="3" name="Content Placeholder 2"/>
+          <p:cNvSpPr>
+            <a:spLocks noGrp="1"/>
+          </p:cNvSpPr>
+          <p:nvPr>
+            <p:ph idx="1"/>
+          </p:nvPr>
+        </p:nvSpPr>
+        <p:spPr/>
+        <p:txBody>
+          <a:bodyPr/>
+          <a:lstStyle/>
+          <a:p>
+            <a:r>
+              <a:rPr lang="en-US" dirty="0"/>
+              <a:t>Apache web server module to expose metadata</a:t>
+            </a:r>
+          </a:p>
+          <a:p>
+            <a:r>
+              <a:rPr lang="en-US" dirty="0"/>
+              <a:t>redesigned to accommodate CRATE</a:t>
+            </a:r>
+          </a:p>
+          <a:p>
+            <a:pPr lvl="1"/>
+            <a:r>
+              <a:rPr lang="en-US" dirty="0"/>
+              <a:t>Recreated around plugin architecture </a:t>
+            </a:r>
+          </a:p>
+          <a:p>
+            <a:r>
+              <a:rPr lang="en-US" dirty="0"/>
+              <a:t>Data centric approach to preserving metadata</a:t>
+            </a:r>
+          </a:p>
+          <a:p>
+            <a:pPr lvl="2"/>
+            <a:r>
+              <a:rPr lang="en-US" dirty="0"/>
+              <a:t>Best effort metadata at dissemination</a:t>
+            </a:r>
+          </a:p>
+          <a:p>
+            <a:pPr lvl="2"/>
+            <a:r>
+              <a:rPr lang="en-US" dirty="0"/>
+              <a:t>Instead of strict validation during archivist collection </a:t>
+            </a:r>
+          </a:p>
+          <a:p>
+            <a:pPr lvl="1"/>
+            <a:endParaRPr lang="en-US" dirty="0"/>
+          </a:p>
+        </p:txBody>
+      </p:sp>
+      <p:sp>
+        <p:nvSpPr>
+          <p:cNvPr id="4" name="Slide Number Placeholder 3"/>
+          <p:cNvSpPr>
+            <a:spLocks noGrp="1"/>
+          </p:cNvSpPr>
+          <p:nvPr>
+            <p:ph type="sldNum" sz="quarter" idx="12"/>
+          </p:nvPr>
+        </p:nvSpPr>
+        <p:spPr/>
+        <p:txBody>
+          <a:bodyPr/>
+          <a:lstStyle/>
+          <a:p>
+            <a:fld id="{B9567B4A-890F-4BB2-A4B0-D8F5589522E2}" type="slidenum">
+              <a:rPr lang="en-US" smtClean="0"/>
+              <a:t>20</a:t>
+            </a:fld>
+            <a:endParaRPr lang="en-US"/>
+          </a:p>
+        </p:txBody>
+      </p:sp>
+    </p:spTree>
+    <p:extLst>
+      <p:ext uri="{BB962C8B-B14F-4D97-AF65-F5344CB8AC3E}">
+        <p14:creationId xmlns:p14="http://schemas.microsoft.com/office/powerpoint/2010/main" val="1051276895"/>
+      </p:ext>
+    </p:extLst>
+  </p:cSld>
+  <p:clrMapOvr>
+    <a:masterClrMapping/>
+  </p:clrMapOvr>
+</p:sld>
+</file>
+
+<file path=ppt/slides/slide21.xml><?xml version="1.0" encoding="utf-8"?>
+<p:sld xmlns:a="http://schemas.openxmlformats.org/drawingml/2006/main" xmlns:r="http://schemas.openxmlformats.org/officeDocument/2006/relationships" xmlns:p="http://schemas.openxmlformats.org/presentationml/2006/main">
+  <p:cSld>
+    <p:spTree>
+      <p:nvGrpSpPr>
+        <p:cNvPr id="1" name=""/>
+        <p:cNvGrpSpPr/>
+        <p:nvPr/>
+      </p:nvGrpSpPr>
+      <p:grpSpPr>
+        <a:xfrm>
+          <a:off x="0" y="0"/>
+          <a:ext cx="0" cy="0"/>
+          <a:chOff x="0" y="0"/>
+          <a:chExt cx="0" cy="0"/>
+        </a:xfrm>
+      </p:grpSpPr>
+      <p:sp>
+        <p:nvSpPr>
           <p:cNvPr id="2" name="Title 1">
             <a:extLst>
               <a:ext uri="{FF2B5EF4-FFF2-40B4-BE49-F238E27FC236}">
@@ -5237,7 +5370,7 @@
           <a:p>
             <a:fld id="{B9567B4A-890F-4BB2-A4B0-D8F5589522E2}" type="slidenum">
               <a:rPr lang="en-US" smtClean="0"/>
-              <a:t>20</a:t>
+              <a:t>21</a:t>
             </a:fld>
             <a:endParaRPr lang="en-US"/>
           </a:p>
@@ -5311,29 +5444,26 @@
           <a:lstStyle/>
           <a:p>
             <a:r>
-              <a:rPr lang="en-US" dirty="0"/>
+              <a:rPr lang="en-US" sz="4400" dirty="0"/>
               <a:t>How do you get all of a website’s resources?</a:t>
             </a:r>
           </a:p>
           <a:p>
             <a:r>
-              <a:rPr lang="en-US" dirty="0"/>
+              <a:rPr lang="en-US" sz="4400" dirty="0"/>
               <a:t>Search engine coverage</a:t>
             </a:r>
           </a:p>
           <a:p>
             <a:r>
-              <a:rPr lang="en-US" dirty="0"/>
+              <a:rPr lang="en-US" sz="4400" dirty="0"/>
               <a:t>Sitemap coverage</a:t>
             </a:r>
           </a:p>
           <a:p>
-            <a:r>
-              <a:rPr lang="en-US" dirty="0"/>
-              <a:t>Improvements</a:t>
-            </a:r>
-          </a:p>
-          <a:p>
+            <a:pPr marL="0" indent="0">
+              <a:buNone/>
+            </a:pPr>
             <a:endParaRPr lang="en-US" dirty="0"/>
           </a:p>
         </p:txBody>
@@ -5425,25 +5555,32 @@
         </p:nvSpPr>
         <p:spPr/>
         <p:txBody>
-          <a:bodyPr/>
-          <a:lstStyle/>
-          <a:p>
-            <a:r>
-              <a:rPr lang="en-US" dirty="0"/>
+          <a:bodyPr>
+            <a:normAutofit/>
+          </a:bodyPr>
+          <a:lstStyle/>
+          <a:p>
+            <a:r>
+              <a:rPr lang="en-US" sz="4400" dirty="0"/>
               <a:t>30 directory wide websites</a:t>
             </a:r>
           </a:p>
           <a:p>
             <a:r>
-              <a:rPr lang="en-US" dirty="0"/>
+              <a:rPr lang="en-US" sz="4400" dirty="0"/>
               <a:t>Pages deleted daily over 90 day period</a:t>
             </a:r>
           </a:p>
           <a:p>
             <a:r>
-              <a:rPr lang="en-US" dirty="0"/>
-              <a:t>Breadth impact on website</a:t>
-            </a:r>
+              <a:rPr lang="en-US" sz="4400" dirty="0"/>
+              <a:t>Website breadth impact on crawler </a:t>
+            </a:r>
+            <a:r>
+              <a:rPr lang="en-US" sz="4400" dirty="0" err="1"/>
+              <a:t>behavoir</a:t>
+            </a:r>
+            <a:endParaRPr lang="en-US" sz="4400" dirty="0"/>
           </a:p>
         </p:txBody>
       </p:sp>
@@ -5957,7 +6094,7 @@
           <a:p>
             <a:r>
               <a:rPr lang="en-US" dirty="0"/>
-              <a:t>Does breadth affect crawler behavior?</a:t>
+              <a:t>Does depth affect crawler behavior?</a:t>
             </a:r>
           </a:p>
         </p:txBody>
@@ -6186,8 +6323,8 @@
         </p:blipFill>
         <p:spPr>
           <a:xfrm>
-            <a:off x="663585" y="2005012"/>
-            <a:ext cx="5432415" cy="4351338"/>
+            <a:off x="271169" y="1690688"/>
+            <a:ext cx="5824832" cy="4665662"/>
           </a:xfrm>
           <a:prstGeom prst="rect">
             <a:avLst/>
@@ -6245,8 +6382,8 @@
         </p:blipFill>
         <p:spPr>
           <a:xfrm>
-            <a:off x="6323741" y="1885156"/>
-            <a:ext cx="5868259" cy="4591050"/>
+            <a:off x="6075173" y="1570832"/>
+            <a:ext cx="6116827" cy="4785518"/>
           </a:xfrm>
           <a:prstGeom prst="rect">
             <a:avLst/>
